--- a/BigCanvas/Slides.pptx
+++ b/BigCanvas/Slides.pptx
@@ -6,6 +6,7 @@
   </p:sldMasterIdLst>
   <p:sldIdLst>
     <p:sldId r:id="rId7" id="256"/>
+    <p:sldId r:id="rId8" id="257"/>
   </p:sldIdLst>
   <p:sldSz cx="8890000" cy="8890000" type="screen4x3"/>
   <p:notesSz cx="6858000" cy="9144000"/>
@@ -3079,6 +3080,48 @@
 </file>
 
 <file path=ppt/slides/slide1.xml><?xml version="1.0" encoding="utf-8"?>
+<p:sld xmlns:a="http://schemas.openxmlformats.org/drawingml/2006/main" xmlns:p="http://schemas.openxmlformats.org/presentationml/2006/main" xmlns:r="http://schemas.openxmlformats.org/officeDocument/2006/relationships">
+  <p:cSld>
+    <p:spTree>
+      <p:nvGrpSpPr>
+        <p:cNvPr id="1" name=""/>
+        <p:cNvGrpSpPr/>
+        <p:nvPr/>
+      </p:nvGrpSpPr>
+      <p:grpSpPr/>
+      <p:pic>
+        <p:nvPicPr>
+          <p:cNvPr id="2" name="Picture 1" descr="temp_slide.png"/>
+          <p:cNvPicPr>
+            <a:picLocks noChangeAspect="1"/>
+          </p:cNvPicPr>
+          <p:nvPr/>
+        </p:nvPicPr>
+        <p:blipFill>
+          <a:blip r:embed="rId2"/>
+          <a:stretch>
+            <a:fillRect/>
+          </a:stretch>
+        </p:blipFill>
+        <p:spPr>
+          <a:xfrm>
+            <a:off x="0" y="0"/>
+            <a:ext cx="8890000" cy="8890000"/>
+          </a:xfrm>
+          <a:prstGeom prst="rect">
+            <a:avLst/>
+          </a:prstGeom>
+        </p:spPr>
+      </p:pic>
+    </p:spTree>
+  </p:cSld>
+  <p:clrMapOvr>
+    <a:masterClrMapping/>
+  </p:clrMapOvr>
+</p:sld>
+</file>
+
+<file path=ppt/slides/slide2.xml><?xml version="1.0" encoding="utf-8"?>
 <p:sld xmlns:a="http://schemas.openxmlformats.org/drawingml/2006/main" xmlns:p="http://schemas.openxmlformats.org/presentationml/2006/main" xmlns:r="http://schemas.openxmlformats.org/officeDocument/2006/relationships">
   <p:cSld>
     <p:spTree>

--- a/BigCanvas/Slides.pptx
+++ b/BigCanvas/Slides.pptx
@@ -7,6 +7,12 @@
   <p:sldIdLst>
     <p:sldId r:id="rId7" id="256"/>
     <p:sldId r:id="rId8" id="257"/>
+    <p:sldId r:id="rId9" id="258"/>
+    <p:sldId r:id="rId10" id="259"/>
+    <p:sldId r:id="rId11" id="260"/>
+    <p:sldId r:id="rId12" id="261"/>
+    <p:sldId r:id="rId13" id="262"/>
+    <p:sldId r:id="rId14" id="263"/>
   </p:sldIdLst>
   <p:sldSz cx="8890000" cy="8890000" type="screen4x3"/>
   <p:notesSz cx="6858000" cy="9144000"/>
@@ -3122,6 +3128,258 @@
 </file>
 
 <file path=ppt/slides/slide2.xml><?xml version="1.0" encoding="utf-8"?>
+<p:sld xmlns:a="http://schemas.openxmlformats.org/drawingml/2006/main" xmlns:p="http://schemas.openxmlformats.org/presentationml/2006/main" xmlns:r="http://schemas.openxmlformats.org/officeDocument/2006/relationships">
+  <p:cSld>
+    <p:spTree>
+      <p:nvGrpSpPr>
+        <p:cNvPr id="1" name=""/>
+        <p:cNvGrpSpPr/>
+        <p:nvPr/>
+      </p:nvGrpSpPr>
+      <p:grpSpPr/>
+      <p:pic>
+        <p:nvPicPr>
+          <p:cNvPr id="2" name="Picture 1" descr="temp_slide.png"/>
+          <p:cNvPicPr>
+            <a:picLocks noChangeAspect="1"/>
+          </p:cNvPicPr>
+          <p:nvPr/>
+        </p:nvPicPr>
+        <p:blipFill>
+          <a:blip r:embed="rId2"/>
+          <a:stretch>
+            <a:fillRect/>
+          </a:stretch>
+        </p:blipFill>
+        <p:spPr>
+          <a:xfrm>
+            <a:off x="0" y="0"/>
+            <a:ext cx="8890000" cy="8890000"/>
+          </a:xfrm>
+          <a:prstGeom prst="rect">
+            <a:avLst/>
+          </a:prstGeom>
+        </p:spPr>
+      </p:pic>
+    </p:spTree>
+  </p:cSld>
+  <p:clrMapOvr>
+    <a:masterClrMapping/>
+  </p:clrMapOvr>
+</p:sld>
+</file>
+
+<file path=ppt/slides/slide3.xml><?xml version="1.0" encoding="utf-8"?>
+<p:sld xmlns:a="http://schemas.openxmlformats.org/drawingml/2006/main" xmlns:p="http://schemas.openxmlformats.org/presentationml/2006/main" xmlns:r="http://schemas.openxmlformats.org/officeDocument/2006/relationships">
+  <p:cSld>
+    <p:spTree>
+      <p:nvGrpSpPr>
+        <p:cNvPr id="1" name=""/>
+        <p:cNvGrpSpPr/>
+        <p:nvPr/>
+      </p:nvGrpSpPr>
+      <p:grpSpPr/>
+      <p:pic>
+        <p:nvPicPr>
+          <p:cNvPr id="2" name="Picture 1" descr="temp_slide.png"/>
+          <p:cNvPicPr>
+            <a:picLocks noChangeAspect="1"/>
+          </p:cNvPicPr>
+          <p:nvPr/>
+        </p:nvPicPr>
+        <p:blipFill>
+          <a:blip r:embed="rId2"/>
+          <a:stretch>
+            <a:fillRect/>
+          </a:stretch>
+        </p:blipFill>
+        <p:spPr>
+          <a:xfrm>
+            <a:off x="0" y="0"/>
+            <a:ext cx="8890000" cy="8890000"/>
+          </a:xfrm>
+          <a:prstGeom prst="rect">
+            <a:avLst/>
+          </a:prstGeom>
+        </p:spPr>
+      </p:pic>
+    </p:spTree>
+  </p:cSld>
+  <p:clrMapOvr>
+    <a:masterClrMapping/>
+  </p:clrMapOvr>
+</p:sld>
+</file>
+
+<file path=ppt/slides/slide4.xml><?xml version="1.0" encoding="utf-8"?>
+<p:sld xmlns:a="http://schemas.openxmlformats.org/drawingml/2006/main" xmlns:p="http://schemas.openxmlformats.org/presentationml/2006/main" xmlns:r="http://schemas.openxmlformats.org/officeDocument/2006/relationships">
+  <p:cSld>
+    <p:spTree>
+      <p:nvGrpSpPr>
+        <p:cNvPr id="1" name=""/>
+        <p:cNvGrpSpPr/>
+        <p:nvPr/>
+      </p:nvGrpSpPr>
+      <p:grpSpPr/>
+      <p:pic>
+        <p:nvPicPr>
+          <p:cNvPr id="2" name="Picture 1" descr="temp_slide.png"/>
+          <p:cNvPicPr>
+            <a:picLocks noChangeAspect="1"/>
+          </p:cNvPicPr>
+          <p:nvPr/>
+        </p:nvPicPr>
+        <p:blipFill>
+          <a:blip r:embed="rId2"/>
+          <a:stretch>
+            <a:fillRect/>
+          </a:stretch>
+        </p:blipFill>
+        <p:spPr>
+          <a:xfrm>
+            <a:off x="0" y="0"/>
+            <a:ext cx="8890000" cy="8890000"/>
+          </a:xfrm>
+          <a:prstGeom prst="rect">
+            <a:avLst/>
+          </a:prstGeom>
+        </p:spPr>
+      </p:pic>
+    </p:spTree>
+  </p:cSld>
+  <p:clrMapOvr>
+    <a:masterClrMapping/>
+  </p:clrMapOvr>
+</p:sld>
+</file>
+
+<file path=ppt/slides/slide5.xml><?xml version="1.0" encoding="utf-8"?>
+<p:sld xmlns:a="http://schemas.openxmlformats.org/drawingml/2006/main" xmlns:p="http://schemas.openxmlformats.org/presentationml/2006/main" xmlns:r="http://schemas.openxmlformats.org/officeDocument/2006/relationships">
+  <p:cSld>
+    <p:spTree>
+      <p:nvGrpSpPr>
+        <p:cNvPr id="1" name=""/>
+        <p:cNvGrpSpPr/>
+        <p:nvPr/>
+      </p:nvGrpSpPr>
+      <p:grpSpPr/>
+      <p:pic>
+        <p:nvPicPr>
+          <p:cNvPr id="2" name="Picture 1" descr="temp_slide.png"/>
+          <p:cNvPicPr>
+            <a:picLocks noChangeAspect="1"/>
+          </p:cNvPicPr>
+          <p:nvPr/>
+        </p:nvPicPr>
+        <p:blipFill>
+          <a:blip r:embed="rId2"/>
+          <a:stretch>
+            <a:fillRect/>
+          </a:stretch>
+        </p:blipFill>
+        <p:spPr>
+          <a:xfrm>
+            <a:off x="0" y="0"/>
+            <a:ext cx="8890000" cy="8890000"/>
+          </a:xfrm>
+          <a:prstGeom prst="rect">
+            <a:avLst/>
+          </a:prstGeom>
+        </p:spPr>
+      </p:pic>
+    </p:spTree>
+  </p:cSld>
+  <p:clrMapOvr>
+    <a:masterClrMapping/>
+  </p:clrMapOvr>
+</p:sld>
+</file>
+
+<file path=ppt/slides/slide6.xml><?xml version="1.0" encoding="utf-8"?>
+<p:sld xmlns:a="http://schemas.openxmlformats.org/drawingml/2006/main" xmlns:p="http://schemas.openxmlformats.org/presentationml/2006/main" xmlns:r="http://schemas.openxmlformats.org/officeDocument/2006/relationships">
+  <p:cSld>
+    <p:spTree>
+      <p:nvGrpSpPr>
+        <p:cNvPr id="1" name=""/>
+        <p:cNvGrpSpPr/>
+        <p:nvPr/>
+      </p:nvGrpSpPr>
+      <p:grpSpPr/>
+      <p:pic>
+        <p:nvPicPr>
+          <p:cNvPr id="2" name="Picture 1" descr="temp_slide.png"/>
+          <p:cNvPicPr>
+            <a:picLocks noChangeAspect="1"/>
+          </p:cNvPicPr>
+          <p:nvPr/>
+        </p:nvPicPr>
+        <p:blipFill>
+          <a:blip r:embed="rId2"/>
+          <a:stretch>
+            <a:fillRect/>
+          </a:stretch>
+        </p:blipFill>
+        <p:spPr>
+          <a:xfrm>
+            <a:off x="0" y="0"/>
+            <a:ext cx="8890000" cy="8890000"/>
+          </a:xfrm>
+          <a:prstGeom prst="rect">
+            <a:avLst/>
+          </a:prstGeom>
+        </p:spPr>
+      </p:pic>
+    </p:spTree>
+  </p:cSld>
+  <p:clrMapOvr>
+    <a:masterClrMapping/>
+  </p:clrMapOvr>
+</p:sld>
+</file>
+
+<file path=ppt/slides/slide7.xml><?xml version="1.0" encoding="utf-8"?>
+<p:sld xmlns:a="http://schemas.openxmlformats.org/drawingml/2006/main" xmlns:p="http://schemas.openxmlformats.org/presentationml/2006/main" xmlns:r="http://schemas.openxmlformats.org/officeDocument/2006/relationships">
+  <p:cSld>
+    <p:spTree>
+      <p:nvGrpSpPr>
+        <p:cNvPr id="1" name=""/>
+        <p:cNvGrpSpPr/>
+        <p:nvPr/>
+      </p:nvGrpSpPr>
+      <p:grpSpPr/>
+      <p:pic>
+        <p:nvPicPr>
+          <p:cNvPr id="2" name="Picture 1" descr="temp_slide.png"/>
+          <p:cNvPicPr>
+            <a:picLocks noChangeAspect="1"/>
+          </p:cNvPicPr>
+          <p:nvPr/>
+        </p:nvPicPr>
+        <p:blipFill>
+          <a:blip r:embed="rId2"/>
+          <a:stretch>
+            <a:fillRect/>
+          </a:stretch>
+        </p:blipFill>
+        <p:spPr>
+          <a:xfrm>
+            <a:off x="0" y="0"/>
+            <a:ext cx="8890000" cy="8890000"/>
+          </a:xfrm>
+          <a:prstGeom prst="rect">
+            <a:avLst/>
+          </a:prstGeom>
+        </p:spPr>
+      </p:pic>
+    </p:spTree>
+  </p:cSld>
+  <p:clrMapOvr>
+    <a:masterClrMapping/>
+  </p:clrMapOvr>
+</p:sld>
+</file>
+
+<file path=ppt/slides/slide8.xml><?xml version="1.0" encoding="utf-8"?>
 <p:sld xmlns:a="http://schemas.openxmlformats.org/drawingml/2006/main" xmlns:p="http://schemas.openxmlformats.org/presentationml/2006/main" xmlns:r="http://schemas.openxmlformats.org/officeDocument/2006/relationships">
   <p:cSld>
     <p:spTree>
